--- a/7_posisjonering/Float og Absolute vs Relative.pptx
+++ b/7_posisjonering/Float og Absolute vs Relative.pptx
@@ -121,6 +121,35 @@
 </p:presentation>
 </file>
 
+<file path=ppt/changesInfos/changesInfo1.xml><?xml version="1.0" encoding="utf-8"?>
+<pc:chgInfo xmlns:a="http://schemas.openxmlformats.org/drawingml/2006/main" xmlns:r="http://schemas.openxmlformats.org/officeDocument/2006/relationships" xmlns:ac="http://schemas.microsoft.com/office/drawing/2013/main/command" xmlns:pc="http://schemas.microsoft.com/office/powerpoint/2013/main/command">
+  <pc:docChgLst>
+    <pc:chgData name="Thor Christian Coward" userId="bc9d0e6f-c7ba-48d7-86a2-62dcef225d27" providerId="ADAL" clId="{0732768F-6427-574B-B62F-6BCCF293D307}"/>
+    <pc:docChg chg="custSel modSld">
+      <pc:chgData name="Thor Christian Coward" userId="bc9d0e6f-c7ba-48d7-86a2-62dcef225d27" providerId="ADAL" clId="{0732768F-6427-574B-B62F-6BCCF293D307}" dt="2019-10-15T11:10:03.486" v="49" actId="20577"/>
+      <pc:docMkLst>
+        <pc:docMk/>
+      </pc:docMkLst>
+      <pc:sldChg chg="modSp">
+        <pc:chgData name="Thor Christian Coward" userId="bc9d0e6f-c7ba-48d7-86a2-62dcef225d27" providerId="ADAL" clId="{0732768F-6427-574B-B62F-6BCCF293D307}" dt="2019-10-15T11:10:03.486" v="49" actId="20577"/>
+        <pc:sldMkLst>
+          <pc:docMk/>
+          <pc:sldMk cId="3805810840" sldId="274"/>
+        </pc:sldMkLst>
+        <pc:spChg chg="mod">
+          <ac:chgData name="Thor Christian Coward" userId="bc9d0e6f-c7ba-48d7-86a2-62dcef225d27" providerId="ADAL" clId="{0732768F-6427-574B-B62F-6BCCF293D307}" dt="2019-10-15T11:10:03.486" v="49" actId="20577"/>
+          <ac:spMkLst>
+            <pc:docMk/>
+            <pc:sldMk cId="3805810840" sldId="274"/>
+            <ac:spMk id="3" creationId="{4E0483F4-D3AA-5743-8EDC-522D0D0B34A6}"/>
+          </ac:spMkLst>
+        </pc:spChg>
+      </pc:sldChg>
+    </pc:docChg>
+  </pc:docChgLst>
+</pc:chgInfo>
+</file>
+
 <file path=ppt/slideLayouts/slideLayout1.xml><?xml version="1.0" encoding="utf-8"?>
 <p:sldLayout xmlns:a="http://schemas.openxmlformats.org/drawingml/2006/main" xmlns:r="http://schemas.openxmlformats.org/officeDocument/2006/relationships" xmlns:p="http://schemas.openxmlformats.org/presentationml/2006/main" type="title" preserve="1">
   <p:cSld name="Tittellysbilde">
@@ -270,7 +299,7 @@
           <a:p>
             <a:fld id="{60C85C7F-AB92-4D1E-960A-1B82F8784F73}" type="datetimeFigureOut">
               <a:rPr lang="en-GB" smtClean="0"/>
-              <a:t>10/10/2019</a:t>
+              <a:t>15/10/2019</a:t>
             </a:fld>
             <a:endParaRPr lang="en-GB"/>
           </a:p>
@@ -470,7 +499,7 @@
           <a:p>
             <a:fld id="{60C85C7F-AB92-4D1E-960A-1B82F8784F73}" type="datetimeFigureOut">
               <a:rPr lang="en-GB" smtClean="0"/>
-              <a:t>10/10/2019</a:t>
+              <a:t>15/10/2019</a:t>
             </a:fld>
             <a:endParaRPr lang="en-GB"/>
           </a:p>
@@ -680,7 +709,7 @@
           <a:p>
             <a:fld id="{60C85C7F-AB92-4D1E-960A-1B82F8784F73}" type="datetimeFigureOut">
               <a:rPr lang="en-GB" smtClean="0"/>
-              <a:t>10/10/2019</a:t>
+              <a:t>15/10/2019</a:t>
             </a:fld>
             <a:endParaRPr lang="en-GB"/>
           </a:p>
@@ -880,7 +909,7 @@
           <a:p>
             <a:fld id="{60C85C7F-AB92-4D1E-960A-1B82F8784F73}" type="datetimeFigureOut">
               <a:rPr lang="en-GB" smtClean="0"/>
-              <a:t>10/10/2019</a:t>
+              <a:t>15/10/2019</a:t>
             </a:fld>
             <a:endParaRPr lang="en-GB"/>
           </a:p>
@@ -1156,7 +1185,7 @@
           <a:p>
             <a:fld id="{60C85C7F-AB92-4D1E-960A-1B82F8784F73}" type="datetimeFigureOut">
               <a:rPr lang="en-GB" smtClean="0"/>
-              <a:t>10/10/2019</a:t>
+              <a:t>15/10/2019</a:t>
             </a:fld>
             <a:endParaRPr lang="en-GB"/>
           </a:p>
@@ -1424,7 +1453,7 @@
           <a:p>
             <a:fld id="{60C85C7F-AB92-4D1E-960A-1B82F8784F73}" type="datetimeFigureOut">
               <a:rPr lang="en-GB" smtClean="0"/>
-              <a:t>10/10/2019</a:t>
+              <a:t>15/10/2019</a:t>
             </a:fld>
             <a:endParaRPr lang="en-GB"/>
           </a:p>
@@ -1839,7 +1868,7 @@
           <a:p>
             <a:fld id="{60C85C7F-AB92-4D1E-960A-1B82F8784F73}" type="datetimeFigureOut">
               <a:rPr lang="en-GB" smtClean="0"/>
-              <a:t>10/10/2019</a:t>
+              <a:t>15/10/2019</a:t>
             </a:fld>
             <a:endParaRPr lang="en-GB"/>
           </a:p>
@@ -1981,7 +2010,7 @@
           <a:p>
             <a:fld id="{60C85C7F-AB92-4D1E-960A-1B82F8784F73}" type="datetimeFigureOut">
               <a:rPr lang="en-GB" smtClean="0"/>
-              <a:t>10/10/2019</a:t>
+              <a:t>15/10/2019</a:t>
             </a:fld>
             <a:endParaRPr lang="en-GB"/>
           </a:p>
@@ -2094,7 +2123,7 @@
           <a:p>
             <a:fld id="{60C85C7F-AB92-4D1E-960A-1B82F8784F73}" type="datetimeFigureOut">
               <a:rPr lang="en-GB" smtClean="0"/>
-              <a:t>10/10/2019</a:t>
+              <a:t>15/10/2019</a:t>
             </a:fld>
             <a:endParaRPr lang="en-GB"/>
           </a:p>
@@ -2407,7 +2436,7 @@
           <a:p>
             <a:fld id="{60C85C7F-AB92-4D1E-960A-1B82F8784F73}" type="datetimeFigureOut">
               <a:rPr lang="en-GB" smtClean="0"/>
-              <a:t>10/10/2019</a:t>
+              <a:t>15/10/2019</a:t>
             </a:fld>
             <a:endParaRPr lang="en-GB"/>
           </a:p>
@@ -2696,7 +2725,7 @@
           <a:p>
             <a:fld id="{60C85C7F-AB92-4D1E-960A-1B82F8784F73}" type="datetimeFigureOut">
               <a:rPr lang="en-GB" smtClean="0"/>
-              <a:t>10/10/2019</a:t>
+              <a:t>15/10/2019</a:t>
             </a:fld>
             <a:endParaRPr lang="en-GB"/>
           </a:p>
@@ -2939,7 +2968,7 @@
           <a:p>
             <a:fld id="{60C85C7F-AB92-4D1E-960A-1B82F8784F73}" type="datetimeFigureOut">
               <a:rPr lang="en-GB" smtClean="0"/>
-              <a:t>10/10/2019</a:t>
+              <a:t>15/10/2019</a:t>
             </a:fld>
             <a:endParaRPr lang="en-GB"/>
           </a:p>
@@ -3686,31 +3715,34 @@
           <a:p>
             <a:pPr lvl="1"/>
             <a:r>
+              <a:rPr lang="nb-NO" dirty="0" err="1"/>
+              <a:t>Kap</a:t>
+            </a:r>
+            <a:r>
               <a:rPr lang="nb-NO" dirty="0"/>
-              <a:t>HTML: </a:t>
-            </a:r>
+              <a:t>. 1.1 – 1.5</a:t>
+            </a:r>
+          </a:p>
+          <a:p>
+            <a:pPr lvl="1"/>
             <a:r>
               <a:rPr lang="nb-NO" dirty="0" err="1"/>
-              <a:t>kap</a:t>
+              <a:t>Kap</a:t>
             </a:r>
             <a:r>
               <a:rPr lang="nb-NO" dirty="0"/>
-              <a:t>. 1</a:t>
+              <a:t>. 2 </a:t>
             </a:r>
           </a:p>
           <a:p>
             <a:pPr lvl="1"/>
             <a:r>
+              <a:rPr lang="nb-NO" dirty="0" err="1"/>
+              <a:t>Kap</a:t>
+            </a:r>
+            <a:r>
               <a:rPr lang="nb-NO" dirty="0"/>
-              <a:t>CSS: </a:t>
-            </a:r>
-            <a:r>
-              <a:rPr lang="nb-NO" dirty="0" err="1"/>
-              <a:t>kap</a:t>
-            </a:r>
-            <a:r>
-              <a:rPr lang="nb-NO" dirty="0"/>
-              <a:t>. 2 og 4.2, 4.3,4.4 </a:t>
+              <a:t>. 4.2 – 4.4 </a:t>
             </a:r>
           </a:p>
         </p:txBody>
